--- a/TableauPresentation2FAAWildlifeStrikesKaurGurkiran.pptx
+++ b/TableauPresentation2FAAWildlifeStrikesKaurGurkiran.pptx
@@ -12,12 +12,10 @@
     <p:sldId id="262" r:id="rId6"/>
     <p:sldId id="264" r:id="rId7"/>
     <p:sldId id="266" r:id="rId8"/>
-    <p:sldId id="267" r:id="rId9"/>
-    <p:sldId id="268" r:id="rId10"/>
-    <p:sldId id="269" r:id="rId11"/>
-    <p:sldId id="270" r:id="rId12"/>
-    <p:sldId id="260" r:id="rId13"/>
-    <p:sldId id="261" r:id="rId14"/>
+    <p:sldId id="268" r:id="rId9"/>
+    <p:sldId id="271" r:id="rId10"/>
+    <p:sldId id="260" r:id="rId11"/>
+    <p:sldId id="261" r:id="rId12"/>
   </p:sldIdLst>
   <p:sldSz cx="12192000" cy="6858000"/>
   <p:notesSz cx="6858000" cy="9144000"/>
@@ -3429,155 +3427,6 @@
           <a:chExt cx="0" cy="0"/>
         </a:xfrm>
       </p:grpSpPr>
-      <p:pic>
-        <p:nvPicPr>
-          <p:cNvPr id="5" name="Content Placeholder 4">
-            <a:extLst>
-              <a:ext uri="{FF2B5EF4-FFF2-40B4-BE49-F238E27FC236}">
-                <a16:creationId xmlns:a16="http://schemas.microsoft.com/office/drawing/2014/main" id="{2DD447E6-12F8-0599-D59F-F51A4E67B1FD}"/>
-              </a:ext>
-            </a:extLst>
-          </p:cNvPr>
-          <p:cNvPicPr>
-            <a:picLocks noGrp="1" noChangeAspect="1"/>
-          </p:cNvPicPr>
-          <p:nvPr>
-            <p:ph idx="1"/>
-          </p:nvPr>
-        </p:nvPicPr>
-        <p:blipFill>
-          <a:blip r:embed="rId2"/>
-          <a:stretch>
-            <a:fillRect/>
-          </a:stretch>
-        </p:blipFill>
-        <p:spPr>
-          <a:xfrm>
-            <a:off x="2756718" y="573945"/>
-            <a:ext cx="6759526" cy="5845047"/>
-          </a:xfrm>
-        </p:spPr>
-      </p:pic>
-    </p:spTree>
-    <p:extLst>
-      <p:ext uri="{BB962C8B-B14F-4D97-AF65-F5344CB8AC3E}">
-        <p14:creationId xmlns:p14="http://schemas.microsoft.com/office/powerpoint/2010/main" val="2481589337"/>
-      </p:ext>
-    </p:extLst>
-  </p:cSld>
-  <p:clrMapOvr>
-    <a:masterClrMapping/>
-  </p:clrMapOvr>
-</p:sld>
-</file>
-
-<file path=ppt/slides/slide11.xml><?xml version="1.0" encoding="utf-8"?>
-<p:sld xmlns:a="http://schemas.openxmlformats.org/drawingml/2006/main" xmlns:r="http://schemas.openxmlformats.org/officeDocument/2006/relationships" xmlns:p="http://schemas.openxmlformats.org/presentationml/2006/main">
-  <p:cSld>
-    <p:spTree>
-      <p:nvGrpSpPr>
-        <p:cNvPr id="1" name=""/>
-        <p:cNvGrpSpPr/>
-        <p:nvPr/>
-      </p:nvGrpSpPr>
-      <p:grpSpPr>
-        <a:xfrm>
-          <a:off x="0" y="0"/>
-          <a:ext cx="0" cy="0"/>
-          <a:chOff x="0" y="0"/>
-          <a:chExt cx="0" cy="0"/>
-        </a:xfrm>
-      </p:grpSpPr>
-      <p:sp>
-        <p:nvSpPr>
-          <p:cNvPr id="3" name="Content Placeholder 2">
-            <a:extLst>
-              <a:ext uri="{FF2B5EF4-FFF2-40B4-BE49-F238E27FC236}">
-                <a16:creationId xmlns:a16="http://schemas.microsoft.com/office/drawing/2014/main" id="{B6230438-7C5A-DD8D-7471-0ACFE451C7B7}"/>
-              </a:ext>
-            </a:extLst>
-          </p:cNvPr>
-          <p:cNvSpPr>
-            <a:spLocks noGrp="1"/>
-          </p:cNvSpPr>
-          <p:nvPr>
-            <p:ph idx="1"/>
-          </p:nvPr>
-        </p:nvSpPr>
-        <p:spPr>
-          <a:xfrm>
-            <a:off x="134471" y="206188"/>
-            <a:ext cx="11887200" cy="6553200"/>
-          </a:xfrm>
-        </p:spPr>
-        <p:txBody>
-          <a:bodyPr/>
-          <a:lstStyle/>
-          <a:p>
-            <a:endParaRPr lang="en-IN" dirty="0"/>
-          </a:p>
-        </p:txBody>
-      </p:sp>
-      <p:pic>
-        <p:nvPicPr>
-          <p:cNvPr id="6" name="Picture 5">
-            <a:extLst>
-              <a:ext uri="{FF2B5EF4-FFF2-40B4-BE49-F238E27FC236}">
-                <a16:creationId xmlns:a16="http://schemas.microsoft.com/office/drawing/2014/main" id="{F64F1E13-B5DB-4185-7136-AEAD27D0E877}"/>
-              </a:ext>
-            </a:extLst>
-          </p:cNvPr>
-          <p:cNvPicPr>
-            <a:picLocks noChangeAspect="1"/>
-          </p:cNvPicPr>
-          <p:nvPr/>
-        </p:nvPicPr>
-        <p:blipFill>
-          <a:blip r:embed="rId2"/>
-          <a:stretch>
-            <a:fillRect/>
-          </a:stretch>
-        </p:blipFill>
-        <p:spPr>
-          <a:xfrm>
-            <a:off x="0" y="-62753"/>
-            <a:ext cx="12192000" cy="6983506"/>
-          </a:xfrm>
-          <a:prstGeom prst="rect">
-            <a:avLst/>
-          </a:prstGeom>
-        </p:spPr>
-      </p:pic>
-    </p:spTree>
-    <p:extLst>
-      <p:ext uri="{BB962C8B-B14F-4D97-AF65-F5344CB8AC3E}">
-        <p14:creationId xmlns:p14="http://schemas.microsoft.com/office/powerpoint/2010/main" val="270145620"/>
-      </p:ext>
-    </p:extLst>
-  </p:cSld>
-  <p:clrMapOvr>
-    <a:masterClrMapping/>
-  </p:clrMapOvr>
-</p:sld>
-</file>
-
-<file path=ppt/slides/slide12.xml><?xml version="1.0" encoding="utf-8"?>
-<p:sld xmlns:a="http://schemas.openxmlformats.org/drawingml/2006/main" xmlns:r="http://schemas.openxmlformats.org/officeDocument/2006/relationships" xmlns:p="http://schemas.openxmlformats.org/presentationml/2006/main">
-  <p:cSld>
-    <p:spTree>
-      <p:nvGrpSpPr>
-        <p:cNvPr id="1" name=""/>
-        <p:cNvGrpSpPr/>
-        <p:nvPr/>
-      </p:nvGrpSpPr>
-      <p:grpSpPr>
-        <a:xfrm>
-          <a:off x="0" y="0"/>
-          <a:ext cx="0" cy="0"/>
-          <a:chOff x="0" y="0"/>
-          <a:chExt cx="0" cy="0"/>
-        </a:xfrm>
-      </p:grpSpPr>
       <p:sp>
         <p:nvSpPr>
           <p:cNvPr id="2" name="Title 1">
@@ -3708,7 +3557,7 @@
 </p:sld>
 </file>
 
-<file path=ppt/slides/slide13.xml><?xml version="1.0" encoding="utf-8"?>
+<file path=ppt/slides/slide11.xml><?xml version="1.0" encoding="utf-8"?>
 <p:sld xmlns:a="http://schemas.openxmlformats.org/drawingml/2006/main" xmlns:r="http://schemas.openxmlformats.org/officeDocument/2006/relationships" xmlns:p="http://schemas.openxmlformats.org/presentationml/2006/main">
   <p:cSld>
     <p:spTree>
@@ -4315,8 +4164,8 @@
         </p:nvSpPr>
         <p:spPr>
           <a:xfrm>
-            <a:off x="143435" y="1362634"/>
-            <a:ext cx="11932023" cy="5396753"/>
+            <a:off x="143435" y="1730188"/>
+            <a:ext cx="11932023" cy="5029199"/>
           </a:xfrm>
         </p:spPr>
         <p:txBody>
@@ -4354,7 +4203,7 @@
         <p:spPr>
           <a:xfrm>
             <a:off x="277906" y="190107"/>
-            <a:ext cx="11322424" cy="1477328"/>
+            <a:ext cx="11322424" cy="2308324"/>
           </a:xfrm>
           <a:prstGeom prst="rect">
             <a:avLst/>
@@ -4367,9 +4216,43 @@
           </a:bodyPr>
           <a:lstStyle/>
           <a:p>
+            <a:pPr marL="285750" indent="-285750">
+              <a:buFont typeface="Arial" panose="020B0604020202020204" pitchFamily="34" charset="0"/>
+              <a:buChar char="•"/>
+            </a:pPr>
             <a:r>
               <a:rPr lang="en-US" dirty="0"/>
-              <a:t>Geospatial occurrences of the strikes were visualized and it was found that state of California has highest number of strikes</a:t>
+              <a:t>Geospatial occurrences of the strikes were visualized.</a:t>
+            </a:r>
+          </a:p>
+          <a:p>
+            <a:pPr marL="285750" indent="-285750">
+              <a:buFont typeface="Arial" panose="020B0604020202020204" pitchFamily="34" charset="0"/>
+              <a:buChar char="•"/>
+            </a:pPr>
+            <a:r>
+              <a:rPr lang="en-US" dirty="0"/>
+              <a:t>State of California has highest number of strikes followed by Texas and Florida.</a:t>
+            </a:r>
+          </a:p>
+          <a:p>
+            <a:pPr marL="285750" indent="-285750">
+              <a:buFont typeface="Arial" panose="020B0604020202020204" pitchFamily="34" charset="0"/>
+              <a:buChar char="•"/>
+            </a:pPr>
+            <a:r>
+              <a:rPr lang="en-US" dirty="0"/>
+              <a:t>The number is too high in these states compared to others </a:t>
+            </a:r>
+          </a:p>
+          <a:p>
+            <a:pPr marL="285750" indent="-285750">
+              <a:buFont typeface="Arial" panose="020B0604020202020204" pitchFamily="34" charset="0"/>
+              <a:buChar char="•"/>
+            </a:pPr>
+            <a:r>
+              <a:rPr lang="en-US" dirty="0"/>
+              <a:t>This can be further explored for reasons and features influencing this high number so that appropriate measures can be taken. </a:t>
             </a:r>
           </a:p>
           <a:p>
@@ -4389,10 +4272,10 @@
       </p:sp>
       <p:pic>
         <p:nvPicPr>
-          <p:cNvPr id="11" name="Picture 10">
-            <a:extLst>
-              <a:ext uri="{FF2B5EF4-FFF2-40B4-BE49-F238E27FC236}">
-                <a16:creationId xmlns:a16="http://schemas.microsoft.com/office/drawing/2014/main" id="{78111A44-F4F9-DB91-74EB-EC04A36B689B}"/>
+          <p:cNvPr id="4" name="Picture 3">
+            <a:extLst>
+              <a:ext uri="{FF2B5EF4-FFF2-40B4-BE49-F238E27FC236}">
+                <a16:creationId xmlns:a16="http://schemas.microsoft.com/office/drawing/2014/main" id="{EE284FC9-0EE7-02EF-13B5-B7086BCF7E0B}"/>
               </a:ext>
             </a:extLst>
           </p:cNvPr>
@@ -4409,8 +4292,8 @@
         </p:blipFill>
         <p:spPr>
           <a:xfrm>
-            <a:off x="753429" y="822846"/>
-            <a:ext cx="10981372" cy="5845047"/>
+            <a:off x="565614" y="1730188"/>
+            <a:ext cx="11034716" cy="4937705"/>
           </a:xfrm>
           <a:prstGeom prst="rect">
             <a:avLst/>
@@ -4488,6 +4371,103 @@
           </a:p>
         </p:txBody>
       </p:sp>
+      <p:pic>
+        <p:nvPicPr>
+          <p:cNvPr id="3" name="Picture 2">
+            <a:extLst>
+              <a:ext uri="{FF2B5EF4-FFF2-40B4-BE49-F238E27FC236}">
+                <a16:creationId xmlns:a16="http://schemas.microsoft.com/office/drawing/2014/main" id="{8962354B-5F0C-C38C-D12A-4FB11168E665}"/>
+              </a:ext>
+            </a:extLst>
+          </p:cNvPr>
+          <p:cNvPicPr>
+            <a:picLocks noChangeAspect="1"/>
+          </p:cNvPicPr>
+          <p:nvPr/>
+        </p:nvPicPr>
+        <p:blipFill>
+          <a:blip r:embed="rId2"/>
+          <a:stretch>
+            <a:fillRect/>
+          </a:stretch>
+        </p:blipFill>
+        <p:spPr>
+          <a:xfrm>
+            <a:off x="639607" y="1783976"/>
+            <a:ext cx="11311093" cy="4966074"/>
+          </a:xfrm>
+          <a:prstGeom prst="rect">
+            <a:avLst/>
+          </a:prstGeom>
+        </p:spPr>
+      </p:pic>
+      <p:sp>
+        <p:nvSpPr>
+          <p:cNvPr id="6" name="TextBox 5">
+            <a:extLst>
+              <a:ext uri="{FF2B5EF4-FFF2-40B4-BE49-F238E27FC236}">
+                <a16:creationId xmlns:a16="http://schemas.microsoft.com/office/drawing/2014/main" id="{50FCD75A-C14B-D441-1136-B364808CE9DD}"/>
+              </a:ext>
+            </a:extLst>
+          </p:cNvPr>
+          <p:cNvSpPr txBox="1"/>
+          <p:nvPr/>
+        </p:nvSpPr>
+        <p:spPr>
+          <a:xfrm>
+            <a:off x="349624" y="251012"/>
+            <a:ext cx="11601076" cy="923330"/>
+          </a:xfrm>
+          <a:prstGeom prst="rect">
+            <a:avLst/>
+          </a:prstGeom>
+          <a:noFill/>
+        </p:spPr>
+        <p:txBody>
+          <a:bodyPr wrap="square" rtlCol="0">
+            <a:spAutoFit/>
+          </a:bodyPr>
+          <a:lstStyle/>
+          <a:p>
+            <a:pPr marL="285750" indent="-285750">
+              <a:buFont typeface="Arial" panose="020B0604020202020204" pitchFamily="34" charset="0"/>
+              <a:buChar char="•"/>
+            </a:pPr>
+            <a:r>
+              <a:rPr lang="en-US" dirty="0"/>
+              <a:t>The following bar chart answers which species group causes majority of number of strikes sliced by time of day</a:t>
+            </a:r>
+          </a:p>
+          <a:p>
+            <a:pPr marL="285750" indent="-285750">
+              <a:buFont typeface="Arial" panose="020B0604020202020204" pitchFamily="34" charset="0"/>
+              <a:buChar char="•"/>
+            </a:pPr>
+            <a:r>
+              <a:rPr lang="en-US" dirty="0"/>
+              <a:t>It can be seen that  Gulls, turns, </a:t>
+            </a:r>
+            <a:r>
+              <a:rPr lang="en-US" dirty="0" err="1"/>
+              <a:t>citywakes</a:t>
+            </a:r>
+            <a:r>
+              <a:rPr lang="en-US" dirty="0"/>
+              <a:t> group causes way more strikes</a:t>
+            </a:r>
+          </a:p>
+          <a:p>
+            <a:pPr marL="285750" indent="-285750">
+              <a:buFont typeface="Arial" panose="020B0604020202020204" pitchFamily="34" charset="0"/>
+              <a:buChar char="•"/>
+            </a:pPr>
+            <a:r>
+              <a:rPr lang="en-US" dirty="0"/>
+              <a:t>Also, majority of strikes are occurring during day time when the species are active.</a:t>
+            </a:r>
+          </a:p>
+        </p:txBody>
+      </p:sp>
     </p:spTree>
     <p:extLst>
       <p:ext uri="{BB962C8B-B14F-4D97-AF65-F5344CB8AC3E}">
@@ -4518,21 +4498,88 @@
           <a:chExt cx="0" cy="0"/>
         </a:xfrm>
       </p:grpSpPr>
+      <p:sp>
+        <p:nvSpPr>
+          <p:cNvPr id="4" name="Content Placeholder 3">
+            <a:extLst>
+              <a:ext uri="{FF2B5EF4-FFF2-40B4-BE49-F238E27FC236}">
+                <a16:creationId xmlns:a16="http://schemas.microsoft.com/office/drawing/2014/main" id="{868532A3-B442-53F0-A805-EB97E8B272ED}"/>
+              </a:ext>
+            </a:extLst>
+          </p:cNvPr>
+          <p:cNvSpPr>
+            <a:spLocks noGrp="1"/>
+          </p:cNvSpPr>
+          <p:nvPr>
+            <p:ph idx="1"/>
+          </p:nvPr>
+        </p:nvSpPr>
+        <p:spPr>
+          <a:xfrm>
+            <a:off x="282388" y="107576"/>
+            <a:ext cx="11627223" cy="6678987"/>
+          </a:xfrm>
+        </p:spPr>
+        <p:txBody>
+          <a:bodyPr/>
+          <a:lstStyle/>
+          <a:p>
+            <a:pPr marL="0" indent="0">
+              <a:buNone/>
+            </a:pPr>
+            <a:r>
+              <a:rPr lang="en-US" dirty="0"/>
+              <a:t>Seasonal Analysis shows number of strikes are more during summers</a:t>
+            </a:r>
+            <a:endParaRPr lang="en-IN" dirty="0"/>
+          </a:p>
+        </p:txBody>
+      </p:sp>
+      <p:sp>
+        <p:nvSpPr>
+          <p:cNvPr id="5" name="TextBox 4">
+            <a:extLst>
+              <a:ext uri="{FF2B5EF4-FFF2-40B4-BE49-F238E27FC236}">
+                <a16:creationId xmlns:a16="http://schemas.microsoft.com/office/drawing/2014/main" id="{BCD6A804-56F3-DA16-1E7C-3EDAC2B2F4A7}"/>
+              </a:ext>
+            </a:extLst>
+          </p:cNvPr>
+          <p:cNvSpPr txBox="1"/>
+          <p:nvPr/>
+        </p:nvSpPr>
+        <p:spPr>
+          <a:xfrm>
+            <a:off x="282388" y="340659"/>
+            <a:ext cx="11627223" cy="394447"/>
+          </a:xfrm>
+          <a:prstGeom prst="rect">
+            <a:avLst/>
+          </a:prstGeom>
+          <a:noFill/>
+        </p:spPr>
+        <p:txBody>
+          <a:bodyPr wrap="square" rtlCol="0">
+            <a:spAutoFit/>
+          </a:bodyPr>
+          <a:lstStyle/>
+          <a:p>
+            <a:endParaRPr lang="en-IN" dirty="0"/>
+          </a:p>
+        </p:txBody>
+      </p:sp>
       <p:pic>
         <p:nvPicPr>
-          <p:cNvPr id="3" name="Content Placeholder 2">
-            <a:extLst>
-              <a:ext uri="{FF2B5EF4-FFF2-40B4-BE49-F238E27FC236}">
-                <a16:creationId xmlns:a16="http://schemas.microsoft.com/office/drawing/2014/main" id="{CE7DFCAB-CD03-B4EB-864F-74C4C8655E63}"/>
+          <p:cNvPr id="7" name="Picture 6">
+            <a:extLst>
+              <a:ext uri="{FF2B5EF4-FFF2-40B4-BE49-F238E27FC236}">
+                <a16:creationId xmlns:a16="http://schemas.microsoft.com/office/drawing/2014/main" id="{B633A2D7-5383-FFD6-7C2C-5139A8C1D5C0}"/>
               </a:ext>
             </a:extLst>
           </p:cNvPr>
           <p:cNvPicPr>
-            <a:picLocks noGrp="1" noChangeAspect="1"/>
+            <a:picLocks noChangeAspect="1"/>
           </p:cNvPicPr>
-          <p:nvPr>
-            <p:ph idx="1"/>
-          </p:nvPr>
+          <p:nvPr/>
         </p:nvPicPr>
         <p:blipFill>
           <a:blip r:embed="rId2"/>
@@ -4542,9 +4589,12 @@
         </p:blipFill>
         <p:spPr>
           <a:xfrm>
-            <a:off x="1658471" y="265020"/>
-            <a:ext cx="8803341" cy="6368862"/>
+            <a:off x="567210" y="867274"/>
+            <a:ext cx="11057578" cy="5883150"/>
           </a:xfrm>
+          <a:prstGeom prst="rect">
+            <a:avLst/>
+          </a:prstGeom>
         </p:spPr>
       </p:pic>
     </p:spTree>
@@ -4579,10 +4629,10 @@
       </p:grpSpPr>
       <p:pic>
         <p:nvPicPr>
-          <p:cNvPr id="5" name="Picture 4">
-            <a:extLst>
-              <a:ext uri="{FF2B5EF4-FFF2-40B4-BE49-F238E27FC236}">
-                <a16:creationId xmlns:a16="http://schemas.microsoft.com/office/drawing/2014/main" id="{CF543A4A-16B2-ACD4-9489-41C566B31322}"/>
+          <p:cNvPr id="3" name="Picture 2">
+            <a:extLst>
+              <a:ext uri="{FF2B5EF4-FFF2-40B4-BE49-F238E27FC236}">
+                <a16:creationId xmlns:a16="http://schemas.microsoft.com/office/drawing/2014/main" id="{9173C729-3993-0227-DF11-A308DAFE8913}"/>
               </a:ext>
             </a:extLst>
           </p:cNvPr>
@@ -4599,14 +4649,66 @@
         </p:blipFill>
         <p:spPr>
           <a:xfrm>
-            <a:off x="1712259" y="533149"/>
-            <a:ext cx="7897906" cy="5791702"/>
+            <a:off x="-44824" y="1103554"/>
+            <a:ext cx="12192000" cy="5754446"/>
           </a:xfrm>
           <a:prstGeom prst="rect">
             <a:avLst/>
           </a:prstGeom>
         </p:spPr>
       </p:pic>
+      <p:sp>
+        <p:nvSpPr>
+          <p:cNvPr id="4" name="TextBox 3">
+            <a:extLst>
+              <a:ext uri="{FF2B5EF4-FFF2-40B4-BE49-F238E27FC236}">
+                <a16:creationId xmlns:a16="http://schemas.microsoft.com/office/drawing/2014/main" id="{5B7FF59B-AD0C-25F8-5067-447AF3A52CFE}"/>
+              </a:ext>
+            </a:extLst>
+          </p:cNvPr>
+          <p:cNvSpPr txBox="1"/>
+          <p:nvPr/>
+        </p:nvSpPr>
+        <p:spPr>
+          <a:xfrm>
+            <a:off x="170329" y="268941"/>
+            <a:ext cx="11761695" cy="923330"/>
+          </a:xfrm>
+          <a:prstGeom prst="rect">
+            <a:avLst/>
+          </a:prstGeom>
+          <a:noFill/>
+        </p:spPr>
+        <p:txBody>
+          <a:bodyPr wrap="square" rtlCol="0">
+            <a:spAutoFit/>
+          </a:bodyPr>
+          <a:lstStyle/>
+          <a:p>
+            <a:pPr marL="285750" indent="-285750">
+              <a:buFont typeface="Arial" panose="020B0604020202020204" pitchFamily="34" charset="0"/>
+              <a:buChar char="•"/>
+            </a:pPr>
+            <a:r>
+              <a:rPr lang="en-US" dirty="0"/>
+              <a:t>Number of strikes has been consistently increasing and forecasted to be at 4004 at 2017.</a:t>
+            </a:r>
+          </a:p>
+          <a:p>
+            <a:pPr marL="285750" indent="-285750">
+              <a:buFont typeface="Arial" panose="020B0604020202020204" pitchFamily="34" charset="0"/>
+              <a:buChar char="•"/>
+            </a:pPr>
+            <a:r>
+              <a:rPr lang="en-US" dirty="0"/>
+              <a:t>Variables contributing to this can be explored and can help in tackling this problem and keep numbers down</a:t>
+            </a:r>
+          </a:p>
+          <a:p>
+            <a:endParaRPr lang="en-IN" dirty="0"/>
+          </a:p>
+        </p:txBody>
+      </p:sp>
     </p:spTree>
     <p:extLst>
       <p:ext uri="{BB962C8B-B14F-4D97-AF65-F5344CB8AC3E}">
@@ -4639,10 +4741,10 @@
       </p:grpSpPr>
       <p:pic>
         <p:nvPicPr>
-          <p:cNvPr id="5" name="Content Placeholder 4">
-            <a:extLst>
-              <a:ext uri="{FF2B5EF4-FFF2-40B4-BE49-F238E27FC236}">
-                <a16:creationId xmlns:a16="http://schemas.microsoft.com/office/drawing/2014/main" id="{0295C26A-45ED-2BD1-E423-71416B23CFED}"/>
+          <p:cNvPr id="6" name="Content Placeholder 5">
+            <a:extLst>
+              <a:ext uri="{FF2B5EF4-FFF2-40B4-BE49-F238E27FC236}">
+                <a16:creationId xmlns:a16="http://schemas.microsoft.com/office/drawing/2014/main" id="{CC130D9C-F8B3-B2F2-E812-9D80E8BFAFF4}"/>
               </a:ext>
             </a:extLst>
           </p:cNvPr>
@@ -4661,15 +4763,82 @@
         </p:blipFill>
         <p:spPr>
           <a:xfrm>
-            <a:off x="4057473" y="281057"/>
-            <a:ext cx="4077053" cy="5730737"/>
+            <a:off x="349624" y="1272708"/>
+            <a:ext cx="10919011" cy="5585292"/>
           </a:xfrm>
         </p:spPr>
       </p:pic>
+      <p:sp>
+        <p:nvSpPr>
+          <p:cNvPr id="7" name="TextBox 6">
+            <a:extLst>
+              <a:ext uri="{FF2B5EF4-FFF2-40B4-BE49-F238E27FC236}">
+                <a16:creationId xmlns:a16="http://schemas.microsoft.com/office/drawing/2014/main" id="{98CDAAF2-2F78-7388-F476-2948032D3710}"/>
+              </a:ext>
+            </a:extLst>
+          </p:cNvPr>
+          <p:cNvSpPr txBox="1"/>
+          <p:nvPr/>
+        </p:nvSpPr>
+        <p:spPr>
+          <a:xfrm>
+            <a:off x="430306" y="143435"/>
+            <a:ext cx="11340353" cy="1200329"/>
+          </a:xfrm>
+          <a:prstGeom prst="rect">
+            <a:avLst/>
+          </a:prstGeom>
+          <a:noFill/>
+        </p:spPr>
+        <p:txBody>
+          <a:bodyPr wrap="square" rtlCol="0">
+            <a:spAutoFit/>
+          </a:bodyPr>
+          <a:lstStyle/>
+          <a:p>
+            <a:pPr marL="285750" indent="-285750">
+              <a:buFont typeface="Arial" panose="020B0604020202020204" pitchFamily="34" charset="0"/>
+              <a:buChar char="•"/>
+            </a:pPr>
+            <a:r>
+              <a:rPr lang="en-US" dirty="0"/>
+              <a:t>Tried identifying pattern in cost by origin state and explore further</a:t>
+            </a:r>
+          </a:p>
+          <a:p>
+            <a:pPr marL="285750" indent="-285750">
+              <a:buFont typeface="Arial" panose="020B0604020202020204" pitchFamily="34" charset="0"/>
+              <a:buChar char="•"/>
+            </a:pPr>
+            <a:r>
+              <a:rPr lang="en-US" dirty="0"/>
+              <a:t>The interesting point is though number of strikes is more in California, the cost is higher for New York.</a:t>
+            </a:r>
+          </a:p>
+          <a:p>
+            <a:pPr marL="285750" indent="-285750">
+              <a:buFont typeface="Arial" panose="020B0604020202020204" pitchFamily="34" charset="0"/>
+              <a:buChar char="•"/>
+            </a:pPr>
+            <a:r>
+              <a:rPr lang="en-IN" dirty="0"/>
+              <a:t>Need to explore further what variables are contributing to it </a:t>
+            </a:r>
+            <a:r>
+              <a:rPr lang="en-IN" dirty="0" err="1"/>
+              <a:t>e.g</a:t>
+            </a:r>
+            <a:r>
+              <a:rPr lang="en-IN" dirty="0"/>
+              <a:t> damage caused and check for outliers, missing values</a:t>
+            </a:r>
+          </a:p>
+        </p:txBody>
+      </p:sp>
     </p:spTree>
     <p:extLst>
       <p:ext uri="{BB962C8B-B14F-4D97-AF65-F5344CB8AC3E}">
-        <p14:creationId xmlns:p14="http://schemas.microsoft.com/office/powerpoint/2010/main" val="3673707809"/>
+        <p14:creationId xmlns:p14="http://schemas.microsoft.com/office/powerpoint/2010/main" val="1972463137"/>
       </p:ext>
     </p:extLst>
   </p:cSld>
@@ -4701,7 +4870,7 @@
           <p:cNvPr id="5" name="Content Placeholder 4">
             <a:extLst>
               <a:ext uri="{FF2B5EF4-FFF2-40B4-BE49-F238E27FC236}">
-                <a16:creationId xmlns:a16="http://schemas.microsoft.com/office/drawing/2014/main" id="{8F546D00-D5BE-CCA1-BD1C-70C4934F38A0}"/>
+                <a16:creationId xmlns:a16="http://schemas.microsoft.com/office/drawing/2014/main" id="{647E08F8-CDD3-A461-54B5-10291B5C7E2C}"/>
               </a:ext>
             </a:extLst>
           </p:cNvPr>
@@ -4720,15 +4889,15 @@
         </p:blipFill>
         <p:spPr>
           <a:xfrm>
-            <a:off x="2921995" y="364884"/>
-            <a:ext cx="6348010" cy="5563082"/>
+            <a:off x="-62754" y="0"/>
+            <a:ext cx="12254753" cy="6858000"/>
           </a:xfrm>
         </p:spPr>
       </p:pic>
     </p:spTree>
     <p:extLst>
       <p:ext uri="{BB962C8B-B14F-4D97-AF65-F5344CB8AC3E}">
-        <p14:creationId xmlns:p14="http://schemas.microsoft.com/office/powerpoint/2010/main" val="1972463137"/>
+        <p14:creationId xmlns:p14="http://schemas.microsoft.com/office/powerpoint/2010/main" val="1980506713"/>
       </p:ext>
     </p:extLst>
   </p:cSld>
